--- a/微分享/好.个人项目挤出时间的绝妙方法.pptx
+++ b/微分享/好.个人项目挤出时间的绝妙方法.pptx
@@ -7,7 +7,7 @@
     <p:sldMasterId id="2147483794" r:id="rId3"/>
   </p:sldMasterIdLst>
   <p:notesMasterIdLst>
-    <p:notesMasterId r:id="rId27"/>
+    <p:notesMasterId r:id="rId29"/>
   </p:notesMasterIdLst>
   <p:sldIdLst>
     <p:sldId id="256" r:id="rId4"/>
@@ -32,7 +32,9 @@
     <p:sldId id="399" r:id="rId23"/>
     <p:sldId id="400" r:id="rId24"/>
     <p:sldId id="401" r:id="rId25"/>
-    <p:sldId id="402" r:id="rId26"/>
+    <p:sldId id="404" r:id="rId26"/>
+    <p:sldId id="402" r:id="rId27"/>
+    <p:sldId id="405" r:id="rId28"/>
   </p:sldIdLst>
   <p:sldSz cx="9144000" cy="5715000" type="screen16x10"/>
   <p:notesSz cx="6858000" cy="9144000"/>
@@ -14409,54 +14411,84 @@
       </p:sp>
       <p:sp>
         <p:nvSpPr>
-          <p:cNvPr id="3" name="内容占位符 2"/>
-          <p:cNvSpPr>
-            <a:spLocks noGrp="1"/>
-          </p:cNvSpPr>
-          <p:nvPr>
-            <p:ph idx="1"/>
-          </p:nvPr>
-        </p:nvSpPr>
-        <p:spPr/>
-        <p:txBody>
-          <a:bodyPr>
-            <a:normAutofit fontScale="92500" lnSpcReduction="20000"/>
+          <p:cNvPr id="5" name="AutoShape 2" descr="http://img1.imgtn.bdimg.com/it/u=3388104646,1023311977&amp;fm=21&amp;gp=0.jpg"/>
+          <p:cNvSpPr>
+            <a:spLocks noChangeAspect="1" noChangeArrowheads="1"/>
+          </p:cNvSpPr>
+          <p:nvPr/>
+        </p:nvSpPr>
+        <p:spPr bwMode="auto">
+          <a:xfrm>
+            <a:off x="155575" y="-144463"/>
+            <a:ext cx="304800" cy="304801"/>
+          </a:xfrm>
+          <a:prstGeom prst="rect">
+            <a:avLst/>
+          </a:prstGeom>
+          <a:noFill/>
+          <a:extLst>
+            <a:ext uri="{909E8E84-426E-40DD-AFC4-6F175D3DCCD1}">
+              <a14:hiddenFill xmlns:a14="http://schemas.microsoft.com/office/drawing/2010/main">
+                <a:solidFill>
+                  <a:srgbClr val="FFFFFF"/>
+                </a:solidFill>
+              </a14:hiddenFill>
+            </a:ext>
+          </a:extLst>
+        </p:spPr>
+        <p:txBody>
+          <a:bodyPr vert="horz" wrap="square" lIns="91440" tIns="45720" rIns="91440" bIns="45720" numCol="1" anchor="t" anchorCtr="0" compatLnSpc="1">
+            <a:prstTxWarp prst="textNoShape">
+              <a:avLst/>
+            </a:prstTxWarp>
           </a:bodyPr>
           <a:lstStyle/>
           <a:p>
-            <a:r>
-              <a:rPr lang="zh-CN" altLang="en-US" b="1" dirty="0"/>
-              <a:t>要记得，是乌龟赢得了比赛</a:t>
-            </a:r>
-            <a:r>
-              <a:rPr lang="zh-CN" altLang="en-US" dirty="0"/>
-              <a:t>。</a:t>
-            </a:r>
-            <a:br>
-              <a:rPr lang="zh-CN" altLang="en-US" dirty="0"/>
-            </a:br>
-            <a:r>
-              <a:rPr lang="zh-CN" altLang="en-US" dirty="0"/>
-              <a:t/>
-            </a:r>
-            <a:br>
-              <a:rPr lang="zh-CN" altLang="en-US" dirty="0"/>
-            </a:br>
-            <a:r>
-              <a:rPr lang="zh-CN" altLang="en-US" dirty="0"/>
-              <a:t>一个个人项目通常都不是为了钱。我们完成它的过程实际上我们在上面下了很大的赌注。就我个人来讲，我不奢求完美。它仅仅是我创造东西的乐趣的延 伸。我知道我将会从失败中学到很多东西。一点点小小的在我个人项目上的进步都使得这一天是值得的，即使最后它被废弃了。或许有一天，我可能不会再将它放进 我的</a:t>
-            </a:r>
-            <a:r>
-              <a:rPr lang="en-US" altLang="zh-CN" dirty="0"/>
-              <a:t>to-do list…</a:t>
-            </a:r>
-            <a:r>
-              <a:rPr lang="zh-CN" altLang="en-US" dirty="0"/>
-              <a:t>但是我曾经做过了。</a:t>
-            </a:r>
-          </a:p>
-        </p:txBody>
-      </p:sp>
+            <a:endParaRPr lang="zh-CN" altLang="en-US"/>
+          </a:p>
+        </p:txBody>
+      </p:sp>
+      <p:pic>
+        <p:nvPicPr>
+          <p:cNvPr id="1029" name="Picture 5" descr="http://pic20.nipic.com/20120425/2786001_082647123000_2.jpg"/>
+          <p:cNvPicPr>
+            <a:picLocks noChangeAspect="1" noChangeArrowheads="1"/>
+          </p:cNvPicPr>
+          <p:nvPr/>
+        </p:nvPicPr>
+        <p:blipFill>
+          <a:blip r:embed="rId2">
+            <a:extLst>
+              <a:ext uri="{28A0092B-C50C-407E-A947-70E740481C1C}">
+                <a14:useLocalDpi xmlns:a14="http://schemas.microsoft.com/office/drawing/2010/main" val="0"/>
+              </a:ext>
+            </a:extLst>
+          </a:blip>
+          <a:srcRect/>
+          <a:stretch>
+            <a:fillRect/>
+          </a:stretch>
+        </p:blipFill>
+        <p:spPr bwMode="auto">
+          <a:xfrm>
+            <a:off x="971600" y="1110113"/>
+            <a:ext cx="7056784" cy="4637907"/>
+          </a:xfrm>
+          <a:prstGeom prst="rect">
+            <a:avLst/>
+          </a:prstGeom>
+          <a:noFill/>
+          <a:extLst>
+            <a:ext uri="{909E8E84-426E-40DD-AFC4-6F175D3DCCD1}">
+              <a14:hiddenFill xmlns:a14="http://schemas.microsoft.com/office/drawing/2010/main">
+                <a:solidFill>
+                  <a:srgbClr val="FFFFFF"/>
+                </a:solidFill>
+              </a14:hiddenFill>
+            </a:ext>
+          </a:extLst>
+        </p:spPr>
+      </p:pic>
     </p:spTree>
     <p:extLst>
       <p:ext uri="{BB962C8B-B14F-4D97-AF65-F5344CB8AC3E}">
@@ -14496,6 +14528,120 @@
       </p:grpSpPr>
       <p:sp>
         <p:nvSpPr>
+          <p:cNvPr id="2" name="标题 1"/>
+          <p:cNvSpPr>
+            <a:spLocks noGrp="1"/>
+          </p:cNvSpPr>
+          <p:nvPr>
+            <p:ph type="title"/>
+          </p:nvPr>
+        </p:nvSpPr>
+        <p:spPr/>
+        <p:txBody>
+          <a:bodyPr/>
+          <a:lstStyle/>
+          <a:p>
+            <a:r>
+              <a:rPr lang="en-US" altLang="zh-CN" b="1" dirty="0"/>
+              <a:t>10.  </a:t>
+            </a:r>
+            <a:r>
+              <a:rPr lang="zh-CN" altLang="en-US" b="1" dirty="0"/>
+              <a:t>给它一些时间</a:t>
+            </a:r>
+            <a:endParaRPr lang="zh-CN" altLang="en-US" dirty="0"/>
+          </a:p>
+        </p:txBody>
+      </p:sp>
+      <p:sp>
+        <p:nvSpPr>
+          <p:cNvPr id="3" name="内容占位符 2"/>
+          <p:cNvSpPr>
+            <a:spLocks noGrp="1"/>
+          </p:cNvSpPr>
+          <p:nvPr>
+            <p:ph idx="1"/>
+          </p:nvPr>
+        </p:nvSpPr>
+        <p:spPr/>
+        <p:txBody>
+          <a:bodyPr>
+            <a:normAutofit fontScale="92500" lnSpcReduction="20000"/>
+          </a:bodyPr>
+          <a:lstStyle/>
+          <a:p>
+            <a:r>
+              <a:rPr lang="zh-CN" altLang="en-US" b="1" dirty="0"/>
+              <a:t>要记得，是乌龟赢得了比赛</a:t>
+            </a:r>
+            <a:r>
+              <a:rPr lang="zh-CN" altLang="en-US" dirty="0"/>
+              <a:t>。</a:t>
+            </a:r>
+            <a:br>
+              <a:rPr lang="zh-CN" altLang="en-US" dirty="0"/>
+            </a:br>
+            <a:r>
+              <a:rPr lang="zh-CN" altLang="en-US" dirty="0"/>
+              <a:t/>
+            </a:r>
+            <a:br>
+              <a:rPr lang="zh-CN" altLang="en-US" dirty="0"/>
+            </a:br>
+            <a:r>
+              <a:rPr lang="zh-CN" altLang="en-US" dirty="0"/>
+              <a:t>一个个人项目通常都不是为了钱。我们完成它的过程实际上我们在上面下了很大的赌注。就我个人来讲，我不奢求完美。它仅仅是我创造东西的乐趣的延 伸。我知道我将会从失败中学到很多东西。一点点小小的在我个人项目上的进步都使得这一天是值得的，即使最后它被废弃了。或许有一天，我可能不会再将它放进 我的</a:t>
+            </a:r>
+            <a:r>
+              <a:rPr lang="en-US" altLang="zh-CN" dirty="0"/>
+              <a:t>to-do list…</a:t>
+            </a:r>
+            <a:r>
+              <a:rPr lang="zh-CN" altLang="en-US" dirty="0"/>
+              <a:t>但是我曾经做过了。</a:t>
+            </a:r>
+          </a:p>
+        </p:txBody>
+      </p:sp>
+    </p:spTree>
+    <p:extLst>
+      <p:ext uri="{BB962C8B-B14F-4D97-AF65-F5344CB8AC3E}">
+        <p14:creationId xmlns:p14="http://schemas.microsoft.com/office/powerpoint/2010/main" val="1509309285"/>
+      </p:ext>
+    </p:extLst>
+  </p:cSld>
+  <p:clrMapOvr>
+    <a:masterClrMapping/>
+  </p:clrMapOvr>
+  <p:timing>
+    <p:tnLst>
+      <p:par>
+        <p:cTn id="1" dur="indefinite" restart="never" nodeType="tmRoot"/>
+      </p:par>
+    </p:tnLst>
+  </p:timing>
+</p:sld>
+</file>
+
+<file path=ppt/slides/slide24.xml><?xml version="1.0" encoding="utf-8"?>
+<p:sld xmlns:a="http://schemas.openxmlformats.org/drawingml/2006/main" xmlns:r="http://schemas.openxmlformats.org/officeDocument/2006/relationships" xmlns:p="http://schemas.openxmlformats.org/presentationml/2006/main">
+  <p:cSld>
+    <p:spTree>
+      <p:nvGrpSpPr>
+        <p:cNvPr id="1" name=""/>
+        <p:cNvGrpSpPr/>
+        <p:nvPr/>
+      </p:nvGrpSpPr>
+      <p:grpSpPr>
+        <a:xfrm>
+          <a:off x="0" y="0"/>
+          <a:ext cx="0" cy="0"/>
+          <a:chOff x="0" y="0"/>
+          <a:chExt cx="0" cy="0"/>
+        </a:xfrm>
+      </p:grpSpPr>
+      <p:sp>
+        <p:nvSpPr>
           <p:cNvPr id="3" name="内容占位符 2"/>
           <p:cNvSpPr>
             <a:spLocks noGrp="1"/>
@@ -14506,7 +14652,7 @@
         </p:nvSpPr>
         <p:spPr>
           <a:xfrm>
-            <a:off x="179512" y="1417340"/>
+            <a:off x="169168" y="841276"/>
             <a:ext cx="8507288" cy="3687796"/>
           </a:xfrm>
         </p:spPr>
@@ -14525,6 +14671,76 @@
             <a:r>
               <a:rPr lang="zh-CN" altLang="en-US" dirty="0"/>
               <a:t>的一篇非常精彩的文章。他讲到要把你的业余项目当作一种试验。他说个人项目可能会吓到我们并且对失败的恐惧也会阻止我们前进的脚步</a:t>
+            </a:r>
+          </a:p>
+        </p:txBody>
+      </p:sp>
+      <p:sp>
+        <p:nvSpPr>
+          <p:cNvPr id="2" name="矩形 1"/>
+          <p:cNvSpPr/>
+          <p:nvPr/>
+        </p:nvSpPr>
+        <p:spPr>
+          <a:xfrm>
+            <a:off x="395536" y="3577580"/>
+            <a:ext cx="8280920" cy="1754326"/>
+          </a:xfrm>
+          <a:prstGeom prst="rect">
+            <a:avLst/>
+          </a:prstGeom>
+        </p:spPr>
+        <p:txBody>
+          <a:bodyPr wrap="square">
+            <a:spAutoFit/>
+          </a:bodyPr>
+          <a:lstStyle/>
+          <a:p>
+            <a:r>
+              <a:rPr lang="zh-CN" altLang="en-US" b="1" dirty="0">
+                <a:solidFill>
+                  <a:schemeClr val="bg1"/>
+                </a:solidFill>
+              </a:rPr>
+              <a:t>跟我们谈谈你的个人项目</a:t>
+            </a:r>
+            <a:r>
+              <a:rPr lang="zh-CN" altLang="en-US" dirty="0">
+                <a:solidFill>
+                  <a:schemeClr val="bg1"/>
+                </a:solidFill>
+              </a:rPr>
+              <a:t/>
+            </a:r>
+            <a:br>
+              <a:rPr lang="zh-CN" altLang="en-US" dirty="0">
+                <a:solidFill>
+                  <a:schemeClr val="bg1"/>
+                </a:solidFill>
+              </a:rPr>
+            </a:br>
+            <a:r>
+              <a:rPr lang="zh-CN" altLang="en-US" dirty="0">
+                <a:solidFill>
+                  <a:schemeClr val="bg1"/>
+                </a:solidFill>
+              </a:rPr>
+              <a:t/>
+            </a:r>
+            <a:br>
+              <a:rPr lang="zh-CN" altLang="en-US" dirty="0">
+                <a:solidFill>
+                  <a:schemeClr val="bg1"/>
+                </a:solidFill>
+              </a:rPr>
+            </a:br>
+            <a:r>
+              <a:rPr lang="zh-CN" altLang="en-US" dirty="0">
+                <a:solidFill>
+                  <a:schemeClr val="bg1"/>
+                </a:solidFill>
+              </a:rPr>
+              <a:t>如果看了这篇文章你对个人项目重燃信心，那你是幸运的。如果你没有，那你需要花点时间来解封你的创造性思维并且想出一个个人项目。你有个人项目么？你是如何为它抽出时间的？那你愿不愿意与我们分享它，或者一些在繁忙中抽出时间的建议。</a:t>
             </a:r>
           </a:p>
         </p:txBody>
@@ -14546,6 +14762,394 @@
       </p:par>
     </p:tnLst>
   </p:timing>
+</p:sld>
+</file>
+
+<file path=ppt/slides/slide25.xml><?xml version="1.0" encoding="utf-8"?>
+<p:sld xmlns:a="http://schemas.openxmlformats.org/drawingml/2006/main" xmlns:r="http://schemas.openxmlformats.org/officeDocument/2006/relationships" xmlns:p="http://schemas.openxmlformats.org/presentationml/2006/main">
+  <p:cSld>
+    <p:spTree>
+      <p:nvGrpSpPr>
+        <p:cNvPr id="1" name=""/>
+        <p:cNvGrpSpPr/>
+        <p:nvPr/>
+      </p:nvGrpSpPr>
+      <p:grpSpPr>
+        <a:xfrm>
+          <a:off x="0" y="0"/>
+          <a:ext cx="0" cy="0"/>
+          <a:chOff x="0" y="0"/>
+          <a:chExt cx="0" cy="0"/>
+        </a:xfrm>
+      </p:grpSpPr>
+      <p:sp>
+        <p:nvSpPr>
+          <p:cNvPr id="3" name="内容占位符 2"/>
+          <p:cNvSpPr>
+            <a:spLocks noGrp="1"/>
+          </p:cNvSpPr>
+          <p:nvPr>
+            <p:ph idx="1"/>
+          </p:nvPr>
+        </p:nvSpPr>
+        <p:spPr>
+          <a:xfrm>
+            <a:off x="179512" y="193204"/>
+            <a:ext cx="8784976" cy="5400600"/>
+          </a:xfrm>
+        </p:spPr>
+        <p:txBody>
+          <a:bodyPr>
+            <a:normAutofit fontScale="55000" lnSpcReduction="20000"/>
+          </a:bodyPr>
+          <a:lstStyle/>
+          <a:p>
+            <a:r>
+              <a:rPr lang="en-US" altLang="zh-CN" b="1" dirty="0">
+                <a:solidFill>
+                  <a:srgbClr val="FF0000"/>
+                </a:solidFill>
+              </a:rPr>
+              <a:t>1.  </a:t>
+            </a:r>
+            <a:r>
+              <a:rPr lang="zh-CN" altLang="en-US" b="1" dirty="0">
+                <a:solidFill>
+                  <a:srgbClr val="FF0000"/>
+                </a:solidFill>
+              </a:rPr>
+              <a:t>把它个人化  </a:t>
+            </a:r>
+            <a:endParaRPr lang="zh-CN" altLang="en-US" dirty="0">
+              <a:solidFill>
+                <a:srgbClr val="FF0000"/>
+              </a:solidFill>
+            </a:endParaRPr>
+          </a:p>
+          <a:p>
+            <a:r>
+              <a:rPr lang="zh-CN" altLang="en-US" b="1" dirty="0"/>
+              <a:t>从今天开始。做一个个人项目。</a:t>
+            </a:r>
+            <a:endParaRPr lang="zh-CN" altLang="en-US" dirty="0"/>
+          </a:p>
+          <a:p>
+            <a:r>
+              <a:rPr lang="en-US" altLang="zh-CN" b="1" dirty="0">
+                <a:solidFill>
+                  <a:srgbClr val="FF0000"/>
+                </a:solidFill>
+              </a:rPr>
+              <a:t>2.  </a:t>
+            </a:r>
+            <a:r>
+              <a:rPr lang="zh-CN" altLang="en-US" b="1" dirty="0">
+                <a:solidFill>
+                  <a:srgbClr val="FF0000"/>
+                </a:solidFill>
+              </a:rPr>
+              <a:t>组织整理</a:t>
+            </a:r>
+            <a:r>
+              <a:rPr lang="zh-CN" altLang="en-US" dirty="0">
+                <a:solidFill>
+                  <a:srgbClr val="FF0000"/>
+                </a:solidFill>
+              </a:rPr>
+              <a:t> </a:t>
+            </a:r>
+            <a:r>
+              <a:rPr lang="zh-CN" altLang="en-US" b="1" dirty="0"/>
+              <a:t>这是生产力的关键</a:t>
+            </a:r>
+            <a:r>
+              <a:rPr lang="zh-CN" altLang="en-US" b="1" dirty="0" smtClean="0"/>
+              <a:t>。</a:t>
+            </a:r>
+            <a:endParaRPr lang="en-US" altLang="zh-CN" b="1" dirty="0" smtClean="0"/>
+          </a:p>
+          <a:p>
+            <a:r>
+              <a:rPr lang="en-US" altLang="zh-CN" b="1" dirty="0" smtClean="0">
+                <a:solidFill>
+                  <a:srgbClr val="FF0000"/>
+                </a:solidFill>
+              </a:rPr>
+              <a:t>3</a:t>
+            </a:r>
+            <a:r>
+              <a:rPr lang="en-US" altLang="zh-CN" b="1" dirty="0">
+                <a:solidFill>
+                  <a:srgbClr val="FF0000"/>
+                </a:solidFill>
+              </a:rPr>
+              <a:t>.  </a:t>
+            </a:r>
+            <a:r>
+              <a:rPr lang="zh-CN" altLang="en-US" b="1" dirty="0">
+                <a:solidFill>
+                  <a:srgbClr val="FF0000"/>
+                </a:solidFill>
+              </a:rPr>
+              <a:t>花一些时间来节约时间 </a:t>
+            </a:r>
+            <a:endParaRPr lang="zh-CN" altLang="en-US" dirty="0">
+              <a:solidFill>
+                <a:srgbClr val="FF0000"/>
+              </a:solidFill>
+            </a:endParaRPr>
+          </a:p>
+          <a:p>
+            <a:r>
+              <a:rPr lang="zh-CN" altLang="en-US" b="1" dirty="0"/>
+              <a:t> 时间伴随着机会成本</a:t>
+            </a:r>
+            <a:r>
+              <a:rPr lang="zh-CN" altLang="en-US" b="1" dirty="0" smtClean="0"/>
+              <a:t>。</a:t>
+            </a:r>
+            <a:r>
+              <a:rPr lang="zh-CN" altLang="en-US" dirty="0" smtClean="0"/>
+              <a:t>即使</a:t>
+            </a:r>
+            <a:r>
+              <a:rPr lang="zh-CN" altLang="en-US" dirty="0"/>
+              <a:t>是一天</a:t>
+            </a:r>
+            <a:r>
+              <a:rPr lang="en-US" altLang="zh-CN" dirty="0"/>
+              <a:t>20</a:t>
+            </a:r>
+            <a:r>
+              <a:rPr lang="zh-CN" altLang="en-US" dirty="0"/>
+              <a:t>分钟，一个月累计下来也有不少时间</a:t>
+            </a:r>
+          </a:p>
+          <a:p>
+            <a:r>
+              <a:rPr lang="en-US" altLang="zh-CN" b="1" dirty="0">
+                <a:solidFill>
+                  <a:srgbClr val="FF0000"/>
+                </a:solidFill>
+              </a:rPr>
+              <a:t>4.  </a:t>
+            </a:r>
+            <a:r>
+              <a:rPr lang="zh-CN" altLang="en-US" b="1" dirty="0">
+                <a:solidFill>
+                  <a:srgbClr val="FF0000"/>
+                </a:solidFill>
+              </a:rPr>
+              <a:t>在日历上标记出来</a:t>
+            </a:r>
+            <a:endParaRPr lang="zh-CN" altLang="en-US" dirty="0">
+              <a:solidFill>
+                <a:srgbClr val="FF0000"/>
+              </a:solidFill>
+            </a:endParaRPr>
+          </a:p>
+          <a:p>
+            <a:r>
+              <a:rPr lang="zh-CN" altLang="en-US" b="1" dirty="0"/>
+              <a:t>把你的个人项目交给日历。</a:t>
+            </a:r>
+            <a:endParaRPr lang="zh-CN" altLang="en-US" dirty="0"/>
+          </a:p>
+          <a:p>
+            <a:r>
+              <a:rPr lang="en-US" altLang="zh-CN" b="1" dirty="0">
+                <a:solidFill>
+                  <a:srgbClr val="FF0000"/>
+                </a:solidFill>
+              </a:rPr>
+              <a:t>5.  </a:t>
+            </a:r>
+            <a:r>
+              <a:rPr lang="zh-CN" altLang="en-US" b="1" dirty="0">
+                <a:solidFill>
+                  <a:srgbClr val="FF0000"/>
+                </a:solidFill>
+              </a:rPr>
+              <a:t>以游戏的方式进行自我激励</a:t>
+            </a:r>
+            <a:endParaRPr lang="zh-CN" altLang="en-US" dirty="0">
+              <a:solidFill>
+                <a:srgbClr val="FF0000"/>
+              </a:solidFill>
+            </a:endParaRPr>
+          </a:p>
+          <a:p>
+            <a:r>
+              <a:rPr lang="zh-CN" altLang="en-US" b="1" dirty="0"/>
+              <a:t>在玩中思考，以思考为乐</a:t>
+            </a:r>
+            <a:endParaRPr lang="zh-CN" altLang="en-US" dirty="0"/>
+          </a:p>
+          <a:p>
+            <a:r>
+              <a:rPr lang="en-US" altLang="zh-CN" b="1" dirty="0">
+                <a:solidFill>
+                  <a:srgbClr val="FF0000"/>
+                </a:solidFill>
+              </a:rPr>
+              <a:t>6.  </a:t>
+            </a:r>
+            <a:r>
+              <a:rPr lang="zh-CN" altLang="en-US" b="1" dirty="0">
+                <a:solidFill>
+                  <a:srgbClr val="FF0000"/>
+                </a:solidFill>
+              </a:rPr>
+              <a:t>把它变成你的日常工作</a:t>
+            </a:r>
+            <a:endParaRPr lang="zh-CN" altLang="en-US" dirty="0">
+              <a:solidFill>
+                <a:srgbClr val="FF0000"/>
+              </a:solidFill>
+            </a:endParaRPr>
+          </a:p>
+          <a:p>
+            <a:r>
+              <a:rPr lang="zh-CN" altLang="en-US" b="1" dirty="0"/>
+              <a:t>如果它是你热衷的劳作，那你一定可以把它做好。</a:t>
+            </a:r>
+            <a:endParaRPr lang="zh-CN" altLang="en-US" dirty="0"/>
+          </a:p>
+          <a:p>
+            <a:r>
+              <a:rPr lang="en-US" altLang="zh-CN" b="1" dirty="0">
+                <a:solidFill>
+                  <a:srgbClr val="FF0000"/>
+                </a:solidFill>
+              </a:rPr>
+              <a:t>7.  </a:t>
+            </a:r>
+            <a:r>
+              <a:rPr lang="zh-CN" altLang="en-US" b="1" dirty="0">
+                <a:solidFill>
+                  <a:srgbClr val="FF0000"/>
+                </a:solidFill>
+              </a:rPr>
+              <a:t>外包的时间价值</a:t>
+            </a:r>
+            <a:endParaRPr lang="zh-CN" altLang="en-US" dirty="0">
+              <a:solidFill>
+                <a:srgbClr val="FF0000"/>
+              </a:solidFill>
+            </a:endParaRPr>
+          </a:p>
+          <a:p>
+            <a:r>
+              <a:rPr lang="zh-CN" altLang="en-US" b="1" dirty="0"/>
+              <a:t>以效率估算你的时间。</a:t>
+            </a:r>
+            <a:endParaRPr lang="zh-CN" altLang="en-US" dirty="0"/>
+          </a:p>
+          <a:p>
+            <a:r>
+              <a:rPr lang="en-US" altLang="zh-CN" b="1" dirty="0">
+                <a:solidFill>
+                  <a:srgbClr val="FF0000"/>
+                </a:solidFill>
+              </a:rPr>
+              <a:t>8.  </a:t>
+            </a:r>
+            <a:r>
+              <a:rPr lang="zh-CN" altLang="en-US" b="1" dirty="0">
+                <a:solidFill>
+                  <a:srgbClr val="FF0000"/>
+                </a:solidFill>
+              </a:rPr>
+              <a:t>在网络上与志同道合的人们一起</a:t>
+            </a:r>
+            <a:endParaRPr lang="zh-CN" altLang="en-US" dirty="0">
+              <a:solidFill>
+                <a:srgbClr val="FF0000"/>
+              </a:solidFill>
+            </a:endParaRPr>
+          </a:p>
+          <a:p>
+            <a:r>
+              <a:rPr lang="zh-CN" altLang="en-US" b="1" dirty="0"/>
+              <a:t>协作带来无限可能。</a:t>
+            </a:r>
+            <a:endParaRPr lang="zh-CN" altLang="en-US" dirty="0"/>
+          </a:p>
+          <a:p>
+            <a:r>
+              <a:rPr lang="en-US" altLang="zh-CN" b="1" dirty="0">
+                <a:solidFill>
+                  <a:srgbClr val="FF0000"/>
+                </a:solidFill>
+              </a:rPr>
+              <a:t>9.  </a:t>
+            </a:r>
+            <a:r>
+              <a:rPr lang="zh-CN" altLang="en-US" b="1" dirty="0">
+                <a:solidFill>
+                  <a:srgbClr val="FF0000"/>
+                </a:solidFill>
+              </a:rPr>
+              <a:t>不要停止捕捉灵感</a:t>
+            </a:r>
+            <a:endParaRPr lang="zh-CN" altLang="en-US" dirty="0">
+              <a:solidFill>
+                <a:srgbClr val="FF0000"/>
+              </a:solidFill>
+            </a:endParaRPr>
+          </a:p>
+          <a:p>
+            <a:r>
+              <a:rPr lang="zh-CN" altLang="en-US" b="1" dirty="0"/>
+              <a:t>及时的点子节省更多时间。</a:t>
+            </a:r>
+            <a:endParaRPr lang="zh-CN" altLang="en-US" dirty="0"/>
+          </a:p>
+          <a:p>
+            <a:r>
+              <a:rPr lang="en-US" altLang="zh-CN" b="1" dirty="0">
+                <a:solidFill>
+                  <a:srgbClr val="FF0000"/>
+                </a:solidFill>
+              </a:rPr>
+              <a:t>10.  </a:t>
+            </a:r>
+            <a:r>
+              <a:rPr lang="zh-CN" altLang="en-US" b="1" dirty="0">
+                <a:solidFill>
+                  <a:srgbClr val="FF0000"/>
+                </a:solidFill>
+              </a:rPr>
+              <a:t>给它一些时间</a:t>
+            </a:r>
+            <a:r>
+              <a:rPr lang="zh-CN" altLang="en-US" b="1" dirty="0"/>
+              <a:t/>
+            </a:r>
+            <a:br>
+              <a:rPr lang="zh-CN" altLang="en-US" b="1" dirty="0"/>
+            </a:br>
+            <a:r>
+              <a:rPr lang="zh-CN" altLang="en-US" b="1" dirty="0"/>
+              <a:t>要记得，是乌龟赢得了比赛</a:t>
+            </a:r>
+            <a:endParaRPr lang="zh-CN" altLang="en-US" dirty="0"/>
+          </a:p>
+          <a:p>
+            <a:endParaRPr lang="zh-CN" altLang="en-US" dirty="0"/>
+          </a:p>
+        </p:txBody>
+      </p:sp>
+    </p:spTree>
+    <p:extLst>
+      <p:ext uri="{BB962C8B-B14F-4D97-AF65-F5344CB8AC3E}">
+        <p14:creationId xmlns:p14="http://schemas.microsoft.com/office/powerpoint/2010/main" val="399466748"/>
+      </p:ext>
+    </p:extLst>
+  </p:cSld>
+  <p:clrMapOvr>
+    <a:masterClrMapping/>
+  </p:clrMapOvr>
 </p:sld>
 </file>
 

--- a/微分享/好.个人项目挤出时间的绝妙方法.pptx
+++ b/微分享/好.个人项目挤出时间的绝妙方法.pptx
@@ -14007,6 +14007,43 @@
           </a:p>
         </p:txBody>
       </p:sp>
+      <p:sp>
+        <p:nvSpPr>
+          <p:cNvPr id="6" name="矩形 5"/>
+          <p:cNvSpPr/>
+          <p:nvPr/>
+        </p:nvSpPr>
+        <p:spPr>
+          <a:xfrm>
+            <a:off x="7305728" y="337220"/>
+            <a:ext cx="2741456" cy="369332"/>
+          </a:xfrm>
+          <a:prstGeom prst="rect">
+            <a:avLst/>
+          </a:prstGeom>
+        </p:spPr>
+        <p:txBody>
+          <a:bodyPr wrap="none">
+            <a:spAutoFit/>
+          </a:bodyPr>
+          <a:lstStyle/>
+          <a:p>
+            <a:r>
+              <a:rPr lang="zh-CN" altLang="en-US" b="1" dirty="0">
+                <a:solidFill>
+                  <a:srgbClr val="FF0000"/>
+                </a:solidFill>
+              </a:rPr>
+              <a:t>强烈的热情和小小的开始</a:t>
+            </a:r>
+            <a:endParaRPr lang="zh-CN" altLang="en-US" dirty="0">
+              <a:solidFill>
+                <a:srgbClr val="FF0000"/>
+              </a:solidFill>
+            </a:endParaRPr>
+          </a:p>
+        </p:txBody>
+      </p:sp>
     </p:spTree>
     <p:extLst>
       <p:ext uri="{BB962C8B-B14F-4D97-AF65-F5344CB8AC3E}">
@@ -14052,6 +14089,51 @@
                                         </p:cTn>
                                         <p:tgtEl>
                                           <p:spTgt spid="5"/>
+                                        </p:tgtEl>
+                                        <p:attrNameLst>
+                                          <p:attrName>style.visibility</p:attrName>
+                                        </p:attrNameLst>
+                                      </p:cBhvr>
+                                      <p:to>
+                                        <p:strVal val="visible"/>
+                                      </p:to>
+                                    </p:set>
+                                  </p:childTnLst>
+                                </p:cTn>
+                              </p:par>
+                            </p:childTnLst>
+                          </p:cTn>
+                        </p:par>
+                      </p:childTnLst>
+                    </p:cTn>
+                  </p:par>
+                  <p:par>
+                    <p:cTn id="7" fill="hold">
+                      <p:stCondLst>
+                        <p:cond delay="indefinite"/>
+                      </p:stCondLst>
+                      <p:childTnLst>
+                        <p:par>
+                          <p:cTn id="8" fill="hold">
+                            <p:stCondLst>
+                              <p:cond delay="0"/>
+                            </p:stCondLst>
+                            <p:childTnLst>
+                              <p:par>
+                                <p:cTn id="9" presetID="1" presetClass="entr" presetSubtype="0" fill="hold" nodeType="clickEffect">
+                                  <p:stCondLst>
+                                    <p:cond delay="0"/>
+                                  </p:stCondLst>
+                                  <p:childTnLst>
+                                    <p:set>
+                                      <p:cBhvr>
+                                        <p:cTn id="10" dur="1" fill="hold">
+                                          <p:stCondLst>
+                                            <p:cond delay="0"/>
+                                          </p:stCondLst>
+                                        </p:cTn>
+                                        <p:tgtEl>
+                                          <p:spTgt spid="4"/>
                                         </p:tgtEl>
                                         <p:attrNameLst>
                                           <p:attrName>style.visibility</p:attrName>
